--- a/require_definition/01.要件定義書.pptx
+++ b/require_definition/01.要件定義書.pptx
@@ -4869,15 +4869,7 @@
                   <a:schemeClr val="tx1"/>
                 </a:solidFill>
               </a:rPr>
-              <a:t>チ</a:t>
-            </a:r>
-            <a:r>
-              <a:rPr kumimoji="1" lang="ja-JP" altLang="en-US" dirty="0" smtClean="0">
-                <a:solidFill>
-                  <a:schemeClr val="tx1"/>
-                </a:solidFill>
-              </a:rPr>
-              <a:t>ーム　</a:t>
+              <a:t>チーム　</a:t>
             </a:r>
             <a:r>
               <a:rPr lang="ja-JP" altLang="en-US" dirty="0">
@@ -5044,7 +5036,22 @@
             </a:r>
             <a:r>
               <a:rPr lang="ja-JP" altLang="en-US" dirty="0" smtClean="0"/>
-              <a:t>化等を記録し変化を把握できる</a:t>
+              <a:t>化等を記録し変化を把握でき</a:t>
+            </a:r>
+            <a:r>
+              <a:rPr lang="ja-JP" altLang="en-US" dirty="0" smtClean="0"/>
+              <a:t>る</a:t>
+            </a:r>
+            <a:endParaRPr lang="en-US" altLang="ja-JP" dirty="0" smtClean="0"/>
+          </a:p>
+          <a:p>
+            <a:r>
+              <a:rPr lang="ja-JP" altLang="en-US" dirty="0"/>
+              <a:t>運動</a:t>
+            </a:r>
+            <a:r>
+              <a:rPr lang="ja-JP" altLang="en-US" dirty="0" smtClean="0"/>
+              <a:t>の記録等はＴｗｉｔｔｅｒ等ＳＮＳにシェアできる</a:t>
             </a:r>
             <a:endParaRPr lang="en-US" altLang="ja-JP" dirty="0" smtClean="0"/>
           </a:p>
@@ -5141,7 +5148,6 @@
               <a:rPr kumimoji="1" lang="ja-JP" altLang="en-US" dirty="0" smtClean="0"/>
               <a:t>消費カロリー計測</a:t>
             </a:r>
-            <a:endParaRPr kumimoji="1" lang="ja-JP" altLang="en-US" dirty="0" smtClean="0"/>
           </a:p>
         </p:txBody>
       </p:sp>
@@ -5242,7 +5248,6 @@
               <a:rPr kumimoji="1" lang="ja-JP" altLang="en-US" dirty="0" smtClean="0"/>
               <a:t>送信</a:t>
             </a:r>
-            <a:endParaRPr kumimoji="1" lang="ja-JP" altLang="en-US" dirty="0" smtClean="0"/>
           </a:p>
         </p:txBody>
       </p:sp>
@@ -5639,7 +5644,6 @@
               <a:rPr kumimoji="1" lang="ja-JP" altLang="en-US" dirty="0" smtClean="0"/>
               <a:t>確認</a:t>
             </a:r>
-            <a:endParaRPr kumimoji="1" lang="ja-JP" altLang="en-US" dirty="0" smtClean="0"/>
           </a:p>
         </p:txBody>
       </p:sp>
@@ -5735,11 +5739,6 @@
               </a:rPr>
               <a:t>歩く！</a:t>
             </a:r>
-            <a:endParaRPr kumimoji="1" lang="ja-JP" altLang="en-US" sz="1400" dirty="0" smtClean="0">
-              <a:solidFill>
-                <a:schemeClr val="tx1"/>
-              </a:solidFill>
-            </a:endParaRPr>
           </a:p>
         </p:txBody>
       </p:sp>
